--- a/doc/task07/Task7.pptx
+++ b/doc/task07/Task7.pptx
@@ -1,6 +1,6 @@
 
 <file path=ppt/presentation.xml><?xml version="1.0" encoding="utf-8"?>
-<p:presentation xmlns:a="http://schemas.openxmlformats.org/drawingml/2006/main" xmlns:r="http://schemas.openxmlformats.org/officeDocument/2006/relationships" xmlns:p="http://schemas.openxmlformats.org/presentationml/2006/main">
+<p:presentation xmlns:a="http://schemas.openxmlformats.org/drawingml/2006/main" xmlns:r="http://schemas.openxmlformats.org/officeDocument/2006/relationships" xmlns:p="http://schemas.openxmlformats.org/presentationml/2006/main" serverZoom="38791">
   <p:sldMasterIdLst>
     <p:sldMasterId id="2147483648" r:id="rId1"/>
   </p:sldMasterIdLst>
@@ -97,7 +97,7 @@
   </p:defaultTextStyle>
   <p:extLst>
     <p:ext uri="{EFAFB233-063F-42B5-8137-9DF3F51BA10A}">
-      <p15:sldGuideLst xmlns:p15="http://schemas.microsoft.com/office/powerpoint/2012/main">
+      <p15:sldGuideLst xmlns:p15="http://schemas.microsoft.com/office/powerpoint/2012/main" xmlns="">
         <p15:guide id="1" orient="horz" pos="2160">
           <p15:clr>
             <a:srgbClr val="A4A3A4"/>
@@ -195,7 +195,7 @@
     </p:spTree>
     <p:extLst>
       <p:ext uri="{BB962C8B-B14F-4D97-AF65-F5344CB8AC3E}">
-        <p14:creationId xmlns:p14="http://schemas.microsoft.com/office/powerpoint/2010/main" val="2021866727"/>
+        <p14:creationId xmlns:p14="http://schemas.microsoft.com/office/powerpoint/2010/main" xmlns="" val="2021866727"/>
       </p:ext>
     </p:extLst>
   </p:cSld>
@@ -389,7 +389,7 @@
     </p:spTree>
     <p:extLst>
       <p:ext uri="{BB962C8B-B14F-4D97-AF65-F5344CB8AC3E}">
-        <p14:creationId xmlns:p14="http://schemas.microsoft.com/office/powerpoint/2010/main" val="2653004341"/>
+        <p14:creationId xmlns:p14="http://schemas.microsoft.com/office/powerpoint/2010/main" xmlns="" val="2653004341"/>
       </p:ext>
     </p:extLst>
   </p:cSld>
@@ -484,7 +484,7 @@
     </p:spTree>
     <p:extLst>
       <p:ext uri="{BB962C8B-B14F-4D97-AF65-F5344CB8AC3E}">
-        <p14:creationId xmlns:p14="http://schemas.microsoft.com/office/powerpoint/2010/main" val="712775107"/>
+        <p14:creationId xmlns:p14="http://schemas.microsoft.com/office/powerpoint/2010/main" xmlns="" val="712775107"/>
       </p:ext>
     </p:extLst>
   </p:cSld>
@@ -579,7 +579,7 @@
     </p:spTree>
     <p:extLst>
       <p:ext uri="{BB962C8B-B14F-4D97-AF65-F5344CB8AC3E}">
-        <p14:creationId xmlns:p14="http://schemas.microsoft.com/office/powerpoint/2010/main" val="3391026430"/>
+        <p14:creationId xmlns:p14="http://schemas.microsoft.com/office/powerpoint/2010/main" xmlns="" val="3391026430"/>
       </p:ext>
     </p:extLst>
   </p:cSld>
@@ -674,7 +674,7 @@
     </p:spTree>
     <p:extLst>
       <p:ext uri="{BB962C8B-B14F-4D97-AF65-F5344CB8AC3E}">
-        <p14:creationId xmlns:p14="http://schemas.microsoft.com/office/powerpoint/2010/main" val="1364125863"/>
+        <p14:creationId xmlns:p14="http://schemas.microsoft.com/office/powerpoint/2010/main" xmlns="" val="1364125863"/>
       </p:ext>
     </p:extLst>
   </p:cSld>
@@ -769,7 +769,7 @@
     </p:spTree>
     <p:extLst>
       <p:ext uri="{BB962C8B-B14F-4D97-AF65-F5344CB8AC3E}">
-        <p14:creationId xmlns:p14="http://schemas.microsoft.com/office/powerpoint/2010/main" val="3745615693"/>
+        <p14:creationId xmlns:p14="http://schemas.microsoft.com/office/powerpoint/2010/main" xmlns="" val="3745615693"/>
       </p:ext>
     </p:extLst>
   </p:cSld>
@@ -864,7 +864,7 @@
     </p:spTree>
     <p:extLst>
       <p:ext uri="{BB962C8B-B14F-4D97-AF65-F5344CB8AC3E}">
-        <p14:creationId xmlns:p14="http://schemas.microsoft.com/office/powerpoint/2010/main" val="2128969088"/>
+        <p14:creationId xmlns:p14="http://schemas.microsoft.com/office/powerpoint/2010/main" xmlns="" val="2128969088"/>
       </p:ext>
     </p:extLst>
   </p:cSld>
@@ -959,7 +959,7 @@
     </p:spTree>
     <p:extLst>
       <p:ext uri="{BB962C8B-B14F-4D97-AF65-F5344CB8AC3E}">
-        <p14:creationId xmlns:p14="http://schemas.microsoft.com/office/powerpoint/2010/main" val="3472256866"/>
+        <p14:creationId xmlns:p14="http://schemas.microsoft.com/office/powerpoint/2010/main" xmlns="" val="3472256866"/>
       </p:ext>
     </p:extLst>
   </p:cSld>
@@ -1821,7 +1821,7 @@
             <a:effectLst/>
             <a:extLst>
               <a:ext uri="{C572A759-6A51-4108-AA02-DFA0A04FC94B}">
-                <ma14:wrappingTextBoxFlag xmlns:ma14="http://schemas.microsoft.com/office/mac/drawingml/2011/main" xmlns="" val="1"/>
+                <ma14:wrappingTextBoxFlag xmlns="" xmlns:ma14="http://schemas.microsoft.com/office/mac/drawingml/2011/main" val="1"/>
               </a:ext>
             </a:extLst>
           </p:spPr>
@@ -3315,7 +3315,7 @@
           </a:ln>
           <a:extLst>
             <a:ext uri="{C572A759-6A51-4108-AA02-DFA0A04FC94B}">
-              <ma14:wrappingTextBoxFlag xmlns:ma14="http://schemas.microsoft.com/office/mac/drawingml/2011/main" xmlns="" val="1"/>
+              <ma14:wrappingTextBoxFlag xmlns="" xmlns:ma14="http://schemas.microsoft.com/office/mac/drawingml/2011/main" val="1"/>
             </a:ext>
           </a:extLst>
         </p:spPr>
@@ -3407,7 +3407,7 @@
           </a:ln>
           <a:extLst>
             <a:ext uri="{C572A759-6A51-4108-AA02-DFA0A04FC94B}">
-              <ma14:wrappingTextBoxFlag xmlns:ma14="http://schemas.microsoft.com/office/mac/drawingml/2011/main" xmlns="" val="1"/>
+              <ma14:wrappingTextBoxFlag xmlns="" xmlns:ma14="http://schemas.microsoft.com/office/mac/drawingml/2011/main" val="1"/>
             </a:ext>
           </a:extLst>
         </p:spPr>
@@ -3469,7 +3469,7 @@
           </a:ln>
           <a:extLst>
             <a:ext uri="{C572A759-6A51-4108-AA02-DFA0A04FC94B}">
-              <ma14:wrappingTextBoxFlag xmlns:ma14="http://schemas.microsoft.com/office/mac/drawingml/2011/main" xmlns="" val="1"/>
+              <ma14:wrappingTextBoxFlag xmlns="" xmlns:ma14="http://schemas.microsoft.com/office/mac/drawingml/2011/main" val="1"/>
             </a:ext>
           </a:extLst>
         </p:spPr>
@@ -4447,11 +4447,11 @@
   <p:clrMapOvr>
     <a:masterClrMapping/>
   </p:clrMapOvr>
-  <mc:AlternateContent xmlns:mc="http://schemas.openxmlformats.org/markup-compatibility/2006" xmlns:p14="http://schemas.microsoft.com/office/powerpoint/2010/main">
-    <mc:Choice Requires="p14">
+  <mc:AlternateContent xmlns:mc="http://schemas.openxmlformats.org/markup-compatibility/2006">
+    <mc:Choice xmlns:p14="http://schemas.microsoft.com/office/powerpoint/2010/main" xmlns="" Requires="p14">
       <p:transition p14:dur="0"/>
     </mc:Choice>
-    <mc:Fallback xmlns="">
+    <mc:Fallback>
       <p:transition/>
     </mc:Fallback>
   </mc:AlternateContent>
@@ -4539,7 +4539,7 @@
           <p:nvPr>
             <p:extLst>
               <p:ext uri="{D42A27DB-BD31-4B8C-83A1-F6EECF244321}">
-                <p14:modId xmlns:p14="http://schemas.microsoft.com/office/powerpoint/2010/main" val="1150267437"/>
+                <p14:modId xmlns:p14="http://schemas.microsoft.com/office/powerpoint/2010/main" xmlns="" val="1150267437"/>
               </p:ext>
             </p:extLst>
           </p:nvPr>
@@ -4899,18 +4899,18 @@
     </p:spTree>
     <p:extLst>
       <p:ext uri="{BB962C8B-B14F-4D97-AF65-F5344CB8AC3E}">
-        <p14:creationId xmlns:p14="http://schemas.microsoft.com/office/powerpoint/2010/main" val="990627494"/>
+        <p14:creationId xmlns:p14="http://schemas.microsoft.com/office/powerpoint/2010/main" xmlns="" val="990627494"/>
       </p:ext>
     </p:extLst>
   </p:cSld>
   <p:clrMapOvr>
     <a:masterClrMapping/>
   </p:clrMapOvr>
-  <mc:AlternateContent xmlns:mc="http://schemas.openxmlformats.org/markup-compatibility/2006" xmlns:p14="http://schemas.microsoft.com/office/powerpoint/2010/main">
-    <mc:Choice Requires="p14">
+  <mc:AlternateContent xmlns:mc="http://schemas.openxmlformats.org/markup-compatibility/2006">
+    <mc:Choice xmlns:p14="http://schemas.microsoft.com/office/powerpoint/2010/main" xmlns="" Requires="p14">
       <p:transition p14:dur="0"/>
     </mc:Choice>
-    <mc:Fallback xmlns="">
+    <mc:Fallback>
       <p:transition/>
     </mc:Fallback>
   </mc:AlternateContent>
@@ -4998,7 +4998,7 @@
           <p:nvPr>
             <p:extLst>
               <p:ext uri="{D42A27DB-BD31-4B8C-83A1-F6EECF244321}">
-                <p14:modId xmlns:p14="http://schemas.microsoft.com/office/powerpoint/2010/main" val="1182374690"/>
+                <p14:modId xmlns:p14="http://schemas.microsoft.com/office/powerpoint/2010/main" xmlns="" val="1182374690"/>
               </p:ext>
             </p:extLst>
           </p:nvPr>
@@ -5304,14 +5304,14 @@
           <p:nvPr>
             <p:extLst>
               <p:ext uri="{D42A27DB-BD31-4B8C-83A1-F6EECF244321}">
-                <p14:modId xmlns:p14="http://schemas.microsoft.com/office/powerpoint/2010/main" val="1608641512"/>
+                <p14:modId xmlns:p14="http://schemas.microsoft.com/office/powerpoint/2010/main" xmlns="" val="1608641512"/>
               </p:ext>
             </p:extLst>
           </p:nvPr>
         </p:nvGraphicFramePr>
         <p:xfrm>
           <a:off x="1376624" y="3599970"/>
-          <a:ext cx="6611816" cy="2606266"/>
+          <a:ext cx="6611816" cy="2641473"/>
         </p:xfrm>
         <a:graphic>
           <a:graphicData uri="http://schemas.openxmlformats.org/drawingml/2006/table">
@@ -5677,10 +5677,16 @@
                         <a:buChar char=""/>
                       </a:pPr>
                       <a:r>
+                        <a:rPr lang="de-CH" sz="1800" dirty="0" smtClean="0">
+                          <a:effectLst/>
+                        </a:rPr>
+                        <a:t>Benutzt </a:t>
+                      </a:r>
+                      <a:r>
                         <a:rPr lang="de-CH" sz="1800" dirty="0">
                           <a:effectLst/>
                         </a:rPr>
-                        <a:t>Benutz Note um zusätzliche Informationen zu Speichern</a:t>
+                        <a:t>Note um zusätzliche Informationen zu Speichern</a:t>
                       </a:r>
                       <a:endParaRPr lang="en-GB" sz="1800" dirty="0">
                         <a:effectLst/>
@@ -5720,14 +5726,14 @@
           <a:effectLst/>
           <a:extLst>
             <a:ext uri="{909E8E84-426E-40DD-AFC4-6F175D3DCCD1}">
-              <a14:hiddenFill xmlns:a14="http://schemas.microsoft.com/office/drawing/2010/main">
+              <a14:hiddenFill xmlns:a14="http://schemas.microsoft.com/office/drawing/2010/main" xmlns="">
                 <a:solidFill>
                   <a:schemeClr val="accent1"/>
                 </a:solidFill>
               </a14:hiddenFill>
             </a:ext>
             <a:ext uri="{91240B29-F687-4F45-9708-019B960494DF}">
-              <a14:hiddenLine xmlns:a14="http://schemas.microsoft.com/office/drawing/2010/main" w="9525">
+              <a14:hiddenLine xmlns:a14="http://schemas.microsoft.com/office/drawing/2010/main" xmlns="" w="9525">
                 <a:solidFill>
                   <a:schemeClr val="tx1"/>
                 </a:solidFill>
@@ -5737,7 +5743,7 @@
               </a14:hiddenLine>
             </a:ext>
             <a:ext uri="{AF507438-7753-43E0-B8FC-AC1667EBCBE1}">
-              <a14:hiddenEffects xmlns:a14="http://schemas.microsoft.com/office/drawing/2010/main">
+              <a14:hiddenEffects xmlns:a14="http://schemas.microsoft.com/office/drawing/2010/main" xmlns="">
                 <a:effectLst>
                   <a:outerShdw dist="35921" dir="2700000" algn="ctr" rotWithShape="0">
                     <a:schemeClr val="bg2"/>
@@ -5972,18 +5978,18 @@
     </p:spTree>
     <p:extLst>
       <p:ext uri="{BB962C8B-B14F-4D97-AF65-F5344CB8AC3E}">
-        <p14:creationId xmlns:p14="http://schemas.microsoft.com/office/powerpoint/2010/main" val="1776747565"/>
+        <p14:creationId xmlns:p14="http://schemas.microsoft.com/office/powerpoint/2010/main" xmlns="" val="1776747565"/>
       </p:ext>
     </p:extLst>
   </p:cSld>
   <p:clrMapOvr>
     <a:masterClrMapping/>
   </p:clrMapOvr>
-  <mc:AlternateContent xmlns:mc="http://schemas.openxmlformats.org/markup-compatibility/2006" xmlns:p14="http://schemas.microsoft.com/office/powerpoint/2010/main">
-    <mc:Choice Requires="p14">
+  <mc:AlternateContent xmlns:mc="http://schemas.openxmlformats.org/markup-compatibility/2006">
+    <mc:Choice xmlns:p14="http://schemas.microsoft.com/office/powerpoint/2010/main" xmlns="" Requires="p14">
       <p:transition p14:dur="0"/>
     </mc:Choice>
-    <mc:Fallback xmlns="">
+    <mc:Fallback>
       <p:transition/>
     </mc:Fallback>
   </mc:AlternateContent>
@@ -6103,18 +6109,18 @@
     </p:spTree>
     <p:extLst>
       <p:ext uri="{BB962C8B-B14F-4D97-AF65-F5344CB8AC3E}">
-        <p14:creationId xmlns:p14="http://schemas.microsoft.com/office/powerpoint/2010/main" val="3345336269"/>
+        <p14:creationId xmlns:p14="http://schemas.microsoft.com/office/powerpoint/2010/main" xmlns="" val="3345336269"/>
       </p:ext>
     </p:extLst>
   </p:cSld>
   <p:clrMapOvr>
     <a:masterClrMapping/>
   </p:clrMapOvr>
-  <mc:AlternateContent xmlns:mc="http://schemas.openxmlformats.org/markup-compatibility/2006" xmlns:p14="http://schemas.microsoft.com/office/powerpoint/2010/main">
-    <mc:Choice Requires="p14">
+  <mc:AlternateContent xmlns:mc="http://schemas.openxmlformats.org/markup-compatibility/2006">
+    <mc:Choice xmlns:p14="http://schemas.microsoft.com/office/powerpoint/2010/main" xmlns="" Requires="p14">
       <p:transition p14:dur="0"/>
     </mc:Choice>
-    <mc:Fallback xmlns="">
+    <mc:Fallback>
       <p:transition/>
     </mc:Fallback>
   </mc:AlternateContent>
@@ -6234,18 +6240,18 @@
     </p:spTree>
     <p:extLst>
       <p:ext uri="{BB962C8B-B14F-4D97-AF65-F5344CB8AC3E}">
-        <p14:creationId xmlns:p14="http://schemas.microsoft.com/office/powerpoint/2010/main" val="217543586"/>
+        <p14:creationId xmlns:p14="http://schemas.microsoft.com/office/powerpoint/2010/main" xmlns="" val="217543586"/>
       </p:ext>
     </p:extLst>
   </p:cSld>
   <p:clrMapOvr>
     <a:masterClrMapping/>
   </p:clrMapOvr>
-  <mc:AlternateContent xmlns:mc="http://schemas.openxmlformats.org/markup-compatibility/2006" xmlns:p14="http://schemas.microsoft.com/office/powerpoint/2010/main">
-    <mc:Choice Requires="p14">
+  <mc:AlternateContent xmlns:mc="http://schemas.openxmlformats.org/markup-compatibility/2006">
+    <mc:Choice xmlns:p14="http://schemas.microsoft.com/office/powerpoint/2010/main" xmlns="" Requires="p14">
       <p:transition p14:dur="0"/>
     </mc:Choice>
-    <mc:Fallback xmlns="">
+    <mc:Fallback>
       <p:transition/>
     </mc:Fallback>
   </mc:AlternateContent>
@@ -6415,7 +6421,7 @@
     </p:spTree>
     <p:extLst>
       <p:ext uri="{BB962C8B-B14F-4D97-AF65-F5344CB8AC3E}">
-        <p14:creationId xmlns:p14="http://schemas.microsoft.com/office/powerpoint/2010/main" val="4192555523"/>
+        <p14:creationId xmlns:p14="http://schemas.microsoft.com/office/powerpoint/2010/main" xmlns="" val="4192555523"/>
       </p:ext>
     </p:extLst>
   </p:cSld>
@@ -6589,7 +6595,7 @@
     </p:spTree>
     <p:extLst>
       <p:ext uri="{BB962C8B-B14F-4D97-AF65-F5344CB8AC3E}">
-        <p14:creationId xmlns:p14="http://schemas.microsoft.com/office/powerpoint/2010/main" val="3474629472"/>
+        <p14:creationId xmlns:p14="http://schemas.microsoft.com/office/powerpoint/2010/main" xmlns="" val="3474629472"/>
       </p:ext>
     </p:extLst>
   </p:cSld>
@@ -6597,7 +6603,7 @@
     <a:masterClrMapping/>
   </p:clrMapOvr>
   <mc:AlternateContent xmlns:mc="http://schemas.openxmlformats.org/markup-compatibility/2006">
-    <mc:Choice xmlns:p14="http://schemas.microsoft.com/office/powerpoint/2010/main" Requires="p14">
+    <mc:Choice xmlns:p14="http://schemas.microsoft.com/office/powerpoint/2010/main" xmlns="" Requires="p14">
       <p:transition p14:dur="0"/>
     </mc:Choice>
     <mc:Fallback>
@@ -6702,7 +6708,7 @@
     </p:spTree>
     <p:extLst>
       <p:ext uri="{BB962C8B-B14F-4D97-AF65-F5344CB8AC3E}">
-        <p14:creationId xmlns:p14="http://schemas.microsoft.com/office/powerpoint/2010/main" val="3052057023"/>
+        <p14:creationId xmlns:p14="http://schemas.microsoft.com/office/powerpoint/2010/main" xmlns="" val="3052057023"/>
       </p:ext>
     </p:extLst>
   </p:cSld>
@@ -6710,7 +6716,7 @@
     <a:masterClrMapping/>
   </p:clrMapOvr>
   <mc:AlternateContent xmlns:mc="http://schemas.openxmlformats.org/markup-compatibility/2006">
-    <mc:Choice xmlns:p14="http://schemas.microsoft.com/office/powerpoint/2010/main" Requires="p14">
+    <mc:Choice xmlns:p14="http://schemas.microsoft.com/office/powerpoint/2010/main" xmlns="" Requires="p14">
       <p:transition p14:dur="0"/>
     </mc:Choice>
     <mc:Fallback>
